--- a/기계학습/기계학습2일차/230808_summary.pptx
+++ b/기계학습/기계학습2일차/230808_summary.pptx
@@ -114,6 +114,11 @@
       </a:defRPr>
     </a:lvl9pPr>
   </p:defaultTextStyle>
+  <p:extLst>
+    <p:ext uri="{EFAFB233-063F-42B5-8137-9DF3F51BA10A}">
+      <p15:sldGuideLst xmlns:p15="http://schemas.microsoft.com/office/powerpoint/2012/main"/>
+    </p:ext>
+  </p:extLst>
 </p:presentation>
 </file>
 
@@ -264,7 +269,7 @@
           <a:p>
             <a:fld id="{C8E5359A-C7D6-ED47-9FCF-80FAA307C4E3}" type="datetimeFigureOut">
               <a:rPr kumimoji="1" lang="ko-KR" altLang="en-US" smtClean="0"/>
-              <a:t>2023. 8. 7.</a:t>
+              <a:t>2023. 8. 8.</a:t>
             </a:fld>
             <a:endParaRPr kumimoji="1" lang="ko-KR" altLang="en-US"/>
           </a:p>
@@ -462,7 +467,7 @@
           <a:p>
             <a:fld id="{C8E5359A-C7D6-ED47-9FCF-80FAA307C4E3}" type="datetimeFigureOut">
               <a:rPr kumimoji="1" lang="ko-KR" altLang="en-US" smtClean="0"/>
-              <a:t>2023. 8. 7.</a:t>
+              <a:t>2023. 8. 8.</a:t>
             </a:fld>
             <a:endParaRPr kumimoji="1" lang="ko-KR" altLang="en-US"/>
           </a:p>
@@ -670,7 +675,7 @@
           <a:p>
             <a:fld id="{C8E5359A-C7D6-ED47-9FCF-80FAA307C4E3}" type="datetimeFigureOut">
               <a:rPr kumimoji="1" lang="ko-KR" altLang="en-US" smtClean="0"/>
-              <a:t>2023. 8. 7.</a:t>
+              <a:t>2023. 8. 8.</a:t>
             </a:fld>
             <a:endParaRPr kumimoji="1" lang="ko-KR" altLang="en-US"/>
           </a:p>
@@ -868,7 +873,7 @@
           <a:p>
             <a:fld id="{C8E5359A-C7D6-ED47-9FCF-80FAA307C4E3}" type="datetimeFigureOut">
               <a:rPr kumimoji="1" lang="ko-KR" altLang="en-US" smtClean="0"/>
-              <a:t>2023. 8. 7.</a:t>
+              <a:t>2023. 8. 8.</a:t>
             </a:fld>
             <a:endParaRPr kumimoji="1" lang="ko-KR" altLang="en-US"/>
           </a:p>
@@ -1143,7 +1148,7 @@
           <a:p>
             <a:fld id="{C8E5359A-C7D6-ED47-9FCF-80FAA307C4E3}" type="datetimeFigureOut">
               <a:rPr kumimoji="1" lang="ko-KR" altLang="en-US" smtClean="0"/>
-              <a:t>2023. 8. 7.</a:t>
+              <a:t>2023. 8. 8.</a:t>
             </a:fld>
             <a:endParaRPr kumimoji="1" lang="ko-KR" altLang="en-US"/>
           </a:p>
@@ -1408,7 +1413,7 @@
           <a:p>
             <a:fld id="{C8E5359A-C7D6-ED47-9FCF-80FAA307C4E3}" type="datetimeFigureOut">
               <a:rPr kumimoji="1" lang="ko-KR" altLang="en-US" smtClean="0"/>
-              <a:t>2023. 8. 7.</a:t>
+              <a:t>2023. 8. 8.</a:t>
             </a:fld>
             <a:endParaRPr kumimoji="1" lang="ko-KR" altLang="en-US"/>
           </a:p>
@@ -1820,7 +1825,7 @@
           <a:p>
             <a:fld id="{C8E5359A-C7D6-ED47-9FCF-80FAA307C4E3}" type="datetimeFigureOut">
               <a:rPr kumimoji="1" lang="ko-KR" altLang="en-US" smtClean="0"/>
-              <a:t>2023. 8. 7.</a:t>
+              <a:t>2023. 8. 8.</a:t>
             </a:fld>
             <a:endParaRPr kumimoji="1" lang="ko-KR" altLang="en-US"/>
           </a:p>
@@ -1961,7 +1966,7 @@
           <a:p>
             <a:fld id="{C8E5359A-C7D6-ED47-9FCF-80FAA307C4E3}" type="datetimeFigureOut">
               <a:rPr kumimoji="1" lang="ko-KR" altLang="en-US" smtClean="0"/>
-              <a:t>2023. 8. 7.</a:t>
+              <a:t>2023. 8. 8.</a:t>
             </a:fld>
             <a:endParaRPr kumimoji="1" lang="ko-KR" altLang="en-US"/>
           </a:p>
@@ -2074,7 +2079,7 @@
           <a:p>
             <a:fld id="{C8E5359A-C7D6-ED47-9FCF-80FAA307C4E3}" type="datetimeFigureOut">
               <a:rPr kumimoji="1" lang="ko-KR" altLang="en-US" smtClean="0"/>
-              <a:t>2023. 8. 7.</a:t>
+              <a:t>2023. 8. 8.</a:t>
             </a:fld>
             <a:endParaRPr kumimoji="1" lang="ko-KR" altLang="en-US"/>
           </a:p>
@@ -2385,7 +2390,7 @@
           <a:p>
             <a:fld id="{C8E5359A-C7D6-ED47-9FCF-80FAA307C4E3}" type="datetimeFigureOut">
               <a:rPr kumimoji="1" lang="ko-KR" altLang="en-US" smtClean="0"/>
-              <a:t>2023. 8. 7.</a:t>
+              <a:t>2023. 8. 8.</a:t>
             </a:fld>
             <a:endParaRPr kumimoji="1" lang="ko-KR" altLang="en-US"/>
           </a:p>
@@ -2673,7 +2678,7 @@
           <a:p>
             <a:fld id="{C8E5359A-C7D6-ED47-9FCF-80FAA307C4E3}" type="datetimeFigureOut">
               <a:rPr kumimoji="1" lang="ko-KR" altLang="en-US" smtClean="0"/>
-              <a:t>2023. 8. 7.</a:t>
+              <a:t>2023. 8. 8.</a:t>
             </a:fld>
             <a:endParaRPr kumimoji="1" lang="ko-KR" altLang="en-US"/>
           </a:p>
@@ -2914,7 +2919,7 @@
           <a:p>
             <a:fld id="{C8E5359A-C7D6-ED47-9FCF-80FAA307C4E3}" type="datetimeFigureOut">
               <a:rPr kumimoji="1" lang="ko-KR" altLang="en-US" smtClean="0"/>
-              <a:t>2023. 8. 7.</a:t>
+              <a:t>2023. 8. 8.</a:t>
             </a:fld>
             <a:endParaRPr kumimoji="1" lang="ko-KR" altLang="en-US"/>
           </a:p>
@@ -3570,14 +3575,80 @@
         </p:blipFill>
         <p:spPr>
           <a:xfrm>
-            <a:off x="1257300" y="669616"/>
-            <a:ext cx="9677400" cy="5284129"/>
+            <a:off x="1257300" y="669615"/>
+            <a:ext cx="9678629" cy="5284800"/>
           </a:xfrm>
           <a:prstGeom prst="rect">
             <a:avLst/>
           </a:prstGeom>
         </p:spPr>
       </p:pic>
+      <p:sp>
+        <p:nvSpPr>
+          <p:cNvPr id="2" name="TextBox 1">
+            <a:extLst>
+              <a:ext uri="{FF2B5EF4-FFF2-40B4-BE49-F238E27FC236}">
+                <a16:creationId xmlns:a16="http://schemas.microsoft.com/office/drawing/2014/main" id="{389DA855-F9D4-AE63-EA91-B806CB2E94C3}"/>
+              </a:ext>
+            </a:extLst>
+          </p:cNvPr>
+          <p:cNvSpPr txBox="1"/>
+          <p:nvPr/>
+        </p:nvSpPr>
+        <p:spPr>
+          <a:xfrm>
+            <a:off x="7242048" y="4230624"/>
+            <a:ext cx="4390946" cy="646331"/>
+          </a:xfrm>
+          <a:prstGeom prst="rect">
+            <a:avLst/>
+          </a:prstGeom>
+          <a:noFill/>
+        </p:spPr>
+        <p:txBody>
+          <a:bodyPr wrap="none" rtlCol="0">
+            <a:spAutoFit/>
+          </a:bodyPr>
+          <a:lstStyle/>
+          <a:p>
+            <a:r>
+              <a:rPr kumimoji="1" lang="en-US" altLang="ko-Kore-KR" dirty="0"/>
+              <a:t>Theta * x </a:t>
+            </a:r>
+            <a:r>
+              <a:rPr kumimoji="1" lang="ko-KR" altLang="en-US" dirty="0"/>
+              <a:t>가 무한대로 뻗을 수도 있다</a:t>
+            </a:r>
+            <a:r>
+              <a:rPr kumimoji="1" lang="en-US" altLang="ko-KR" dirty="0"/>
+              <a:t>.</a:t>
+            </a:r>
+          </a:p>
+          <a:p>
+            <a:r>
+              <a:rPr kumimoji="1" lang="ko-KR" altLang="en-US" dirty="0"/>
+              <a:t>그러니까 </a:t>
+            </a:r>
+            <a:r>
+              <a:rPr kumimoji="1" lang="en-US" altLang="ko-KR" dirty="0"/>
+              <a:t>0</a:t>
+            </a:r>
+            <a:r>
+              <a:rPr kumimoji="1" lang="ko-KR" altLang="en-US" dirty="0"/>
+              <a:t>과 </a:t>
+            </a:r>
+            <a:r>
+              <a:rPr kumimoji="1" lang="en-US" altLang="ko-KR" dirty="0"/>
+              <a:t>1</a:t>
+            </a:r>
+            <a:r>
+              <a:rPr kumimoji="1" lang="ko-KR" altLang="en-US" dirty="0"/>
+              <a:t>사이의 값을 가지게 하자</a:t>
+            </a:r>
+            <a:endParaRPr kumimoji="1" lang="ko-Kore-KR" altLang="en-US" dirty="0"/>
+          </a:p>
+        </p:txBody>
+      </p:sp>
     </p:spTree>
     <p:extLst>
       <p:ext uri="{BB962C8B-B14F-4D97-AF65-F5344CB8AC3E}">
@@ -3638,6 +3709,122 @@
           </a:prstGeom>
         </p:spPr>
       </p:pic>
+      <p:sp>
+        <p:nvSpPr>
+          <p:cNvPr id="3" name="TextBox 2">
+            <a:extLst>
+              <a:ext uri="{FF2B5EF4-FFF2-40B4-BE49-F238E27FC236}">
+                <a16:creationId xmlns:a16="http://schemas.microsoft.com/office/drawing/2014/main" id="{724CD6DB-C192-CB15-25B6-C405CE4C80A4}"/>
+              </a:ext>
+            </a:extLst>
+          </p:cNvPr>
+          <p:cNvSpPr txBox="1"/>
+          <p:nvPr/>
+        </p:nvSpPr>
+        <p:spPr>
+          <a:xfrm>
+            <a:off x="5644896" y="1085088"/>
+            <a:ext cx="4588115" cy="369332"/>
+          </a:xfrm>
+          <a:prstGeom prst="rect">
+            <a:avLst/>
+          </a:prstGeom>
+          <a:noFill/>
+        </p:spPr>
+        <p:txBody>
+          <a:bodyPr wrap="none" rtlCol="0">
+            <a:spAutoFit/>
+          </a:bodyPr>
+          <a:lstStyle/>
+          <a:p>
+            <a:r>
+              <a:rPr kumimoji="1" lang="en-US" altLang="ko-Kore-KR" dirty="0">
+                <a:solidFill>
+                  <a:srgbClr val="0070C0"/>
+                </a:solidFill>
+              </a:rPr>
+              <a:t>S</a:t>
+            </a:r>
+            <a:r>
+              <a:rPr kumimoji="1" lang="ko-KR" altLang="en-US" dirty="0">
+                <a:solidFill>
+                  <a:srgbClr val="0070C0"/>
+                </a:solidFill>
+              </a:rPr>
+              <a:t>자 모양 </a:t>
+            </a:r>
+            <a:r>
+              <a:rPr kumimoji="1" lang="en-US" altLang="ko-KR" dirty="0">
+                <a:solidFill>
+                  <a:srgbClr val="0070C0"/>
+                </a:solidFill>
+              </a:rPr>
+              <a:t>-&gt;</a:t>
+            </a:r>
+            <a:r>
+              <a:rPr kumimoji="1" lang="ko-KR" altLang="en-US" dirty="0">
+                <a:solidFill>
+                  <a:srgbClr val="0070C0"/>
+                </a:solidFill>
+              </a:rPr>
+              <a:t> </a:t>
+            </a:r>
+            <a:r>
+              <a:rPr kumimoji="1" lang="en-US" altLang="ko-KR" dirty="0">
+                <a:solidFill>
+                  <a:srgbClr val="0070C0"/>
+                </a:solidFill>
+              </a:rPr>
+              <a:t>y </a:t>
+            </a:r>
+            <a:r>
+              <a:rPr kumimoji="1" lang="ko-KR" altLang="en-US" dirty="0">
+                <a:solidFill>
+                  <a:srgbClr val="0070C0"/>
+                </a:solidFill>
+              </a:rPr>
+              <a:t>값의 모든 값을 </a:t>
+            </a:r>
+            <a:r>
+              <a:rPr kumimoji="1" lang="en-US" altLang="ko-KR" dirty="0">
+                <a:solidFill>
+                  <a:srgbClr val="0070C0"/>
+                </a:solidFill>
+              </a:rPr>
+              <a:t>0</a:t>
+            </a:r>
+            <a:r>
+              <a:rPr kumimoji="1" lang="ko-KR" altLang="en-US" dirty="0">
+                <a:solidFill>
+                  <a:srgbClr val="0070C0"/>
+                </a:solidFill>
+              </a:rPr>
+              <a:t>과 </a:t>
+            </a:r>
+            <a:r>
+              <a:rPr kumimoji="1" lang="en-US" altLang="ko-KR" dirty="0">
+                <a:solidFill>
+                  <a:srgbClr val="0070C0"/>
+                </a:solidFill>
+              </a:rPr>
+              <a:t>1</a:t>
+            </a:r>
+            <a:r>
+              <a:rPr kumimoji="1" lang="ko-KR" altLang="en-US" dirty="0">
+                <a:solidFill>
+                  <a:srgbClr val="0070C0"/>
+                </a:solidFill>
+              </a:rPr>
+              <a:t>사이로</a:t>
+            </a:r>
+            <a:endParaRPr kumimoji="1" lang="ko-Kore-KR" altLang="en-US" dirty="0">
+              <a:solidFill>
+                <a:srgbClr val="0070C0"/>
+              </a:solidFill>
+            </a:endParaRPr>
+          </a:p>
+        </p:txBody>
+      </p:sp>
     </p:spTree>
     <p:extLst>
       <p:ext uri="{BB962C8B-B14F-4D97-AF65-F5344CB8AC3E}">
@@ -3698,6 +3885,188 @@
           </a:prstGeom>
         </p:spPr>
       </p:pic>
+      <p:sp>
+        <p:nvSpPr>
+          <p:cNvPr id="2" name="TextBox 1">
+            <a:extLst>
+              <a:ext uri="{FF2B5EF4-FFF2-40B4-BE49-F238E27FC236}">
+                <a16:creationId xmlns:a16="http://schemas.microsoft.com/office/drawing/2014/main" id="{FB5D80A2-158C-97A5-6B09-4C2BD212DD77}"/>
+              </a:ext>
+            </a:extLst>
+          </p:cNvPr>
+          <p:cNvSpPr txBox="1"/>
+          <p:nvPr/>
+        </p:nvSpPr>
+        <p:spPr>
+          <a:xfrm>
+            <a:off x="1207008" y="5705328"/>
+            <a:ext cx="6136295" cy="646331"/>
+          </a:xfrm>
+          <a:prstGeom prst="rect">
+            <a:avLst/>
+          </a:prstGeom>
+          <a:noFill/>
+        </p:spPr>
+        <p:txBody>
+          <a:bodyPr wrap="none" rtlCol="0">
+            <a:spAutoFit/>
+          </a:bodyPr>
+          <a:lstStyle/>
+          <a:p>
+            <a:r>
+              <a:rPr kumimoji="1" lang="en-US" altLang="ko-Kore-KR" dirty="0">
+                <a:solidFill>
+                  <a:srgbClr val="0070C0"/>
+                </a:solidFill>
+              </a:rPr>
+              <a:t>0</a:t>
+            </a:r>
+            <a:r>
+              <a:rPr kumimoji="1" lang="en-US" altLang="ko-KR" dirty="0">
+                <a:solidFill>
+                  <a:srgbClr val="0070C0"/>
+                </a:solidFill>
+              </a:rPr>
+              <a:t>.5</a:t>
+            </a:r>
+            <a:r>
+              <a:rPr kumimoji="1" lang="ko-KR" altLang="en-US" dirty="0">
+                <a:solidFill>
+                  <a:srgbClr val="0070C0"/>
+                </a:solidFill>
+              </a:rPr>
+              <a:t> </a:t>
+            </a:r>
+            <a:r>
+              <a:rPr kumimoji="1" lang="en-US" altLang="ko-KR" dirty="0">
+                <a:solidFill>
+                  <a:srgbClr val="0070C0"/>
+                </a:solidFill>
+              </a:rPr>
+              <a:t>(default)</a:t>
+            </a:r>
+            <a:r>
+              <a:rPr kumimoji="1" lang="ko-KR" altLang="en-US" dirty="0">
+                <a:solidFill>
+                  <a:srgbClr val="0070C0"/>
+                </a:solidFill>
+              </a:rPr>
+              <a:t> </a:t>
+            </a:r>
+            <a:r>
+              <a:rPr kumimoji="1" lang="en-US" altLang="ko-KR" dirty="0">
+                <a:solidFill>
+                  <a:srgbClr val="0070C0"/>
+                </a:solidFill>
+              </a:rPr>
+              <a:t>=</a:t>
+            </a:r>
+            <a:r>
+              <a:rPr kumimoji="1" lang="ko-KR" altLang="en-US" dirty="0">
+                <a:solidFill>
+                  <a:srgbClr val="0070C0"/>
+                </a:solidFill>
+              </a:rPr>
+              <a:t> </a:t>
+            </a:r>
+            <a:r>
+              <a:rPr kumimoji="1" lang="en-US" altLang="ko-KR" dirty="0">
+                <a:solidFill>
+                  <a:srgbClr val="0070C0"/>
+                </a:solidFill>
+              </a:rPr>
+              <a:t>threshold (</a:t>
+            </a:r>
+            <a:r>
+              <a:rPr kumimoji="1" lang="ko-KR" altLang="en-US" dirty="0">
+                <a:solidFill>
+                  <a:srgbClr val="0070C0"/>
+                </a:solidFill>
+              </a:rPr>
+              <a:t>본인이 정하기 나름</a:t>
+            </a:r>
+            <a:r>
+              <a:rPr kumimoji="1" lang="en-US" altLang="ko-KR" dirty="0">
+                <a:solidFill>
+                  <a:srgbClr val="0070C0"/>
+                </a:solidFill>
+              </a:rPr>
+              <a:t>)</a:t>
+            </a:r>
+          </a:p>
+          <a:p>
+            <a:r>
+              <a:rPr kumimoji="1" lang="en-US" altLang="ko-Kore-KR" dirty="0">
+                <a:solidFill>
+                  <a:srgbClr val="0070C0"/>
+                </a:solidFill>
+              </a:rPr>
+              <a:t>Validation data</a:t>
+            </a:r>
+            <a:r>
+              <a:rPr kumimoji="1" lang="ko-KR" altLang="en-US" dirty="0">
+                <a:solidFill>
+                  <a:srgbClr val="0070C0"/>
+                </a:solidFill>
+              </a:rPr>
+              <a:t>로 </a:t>
+            </a:r>
+            <a:r>
+              <a:rPr kumimoji="1" lang="en-US" altLang="ko-KR" dirty="0">
+                <a:solidFill>
+                  <a:srgbClr val="0070C0"/>
+                </a:solidFill>
+              </a:rPr>
+              <a:t>threshold</a:t>
+            </a:r>
+            <a:r>
+              <a:rPr kumimoji="1" lang="ko-KR" altLang="en-US" dirty="0" err="1">
+                <a:solidFill>
+                  <a:srgbClr val="0070C0"/>
+                </a:solidFill>
+              </a:rPr>
+              <a:t>를</a:t>
+            </a:r>
+            <a:r>
+              <a:rPr kumimoji="1" lang="ko-KR" altLang="en-US" dirty="0">
+                <a:solidFill>
+                  <a:srgbClr val="0070C0"/>
+                </a:solidFill>
+              </a:rPr>
+              <a:t> 정함 </a:t>
+            </a:r>
+            <a:r>
+              <a:rPr kumimoji="1" lang="en-US" altLang="ko-KR" dirty="0">
+                <a:solidFill>
+                  <a:srgbClr val="0070C0"/>
+                </a:solidFill>
+              </a:rPr>
+              <a:t>(</a:t>
+            </a:r>
+            <a:r>
+              <a:rPr kumimoji="1" lang="ko-KR" altLang="en-US" dirty="0">
+                <a:solidFill>
+                  <a:srgbClr val="0070C0"/>
+                </a:solidFill>
+              </a:rPr>
+              <a:t>제일 성능이 좋은 것</a:t>
+            </a:r>
+            <a:r>
+              <a:rPr kumimoji="1" lang="en-US" altLang="ko-KR" dirty="0">
+                <a:solidFill>
+                  <a:srgbClr val="0070C0"/>
+                </a:solidFill>
+              </a:rPr>
+              <a:t>)</a:t>
+            </a:r>
+            <a:endParaRPr kumimoji="1" lang="ko-Kore-KR" altLang="en-US" dirty="0">
+              <a:solidFill>
+                <a:srgbClr val="0070C0"/>
+              </a:solidFill>
+            </a:endParaRPr>
+          </a:p>
+        </p:txBody>
+      </p:sp>
     </p:spTree>
     <p:extLst>
       <p:ext uri="{BB962C8B-B14F-4D97-AF65-F5344CB8AC3E}">
@@ -3818,6 +4187,172 @@
           </a:prstGeom>
         </p:spPr>
       </p:pic>
+      <p:sp>
+        <p:nvSpPr>
+          <p:cNvPr id="2" name="TextBox 1">
+            <a:extLst>
+              <a:ext uri="{FF2B5EF4-FFF2-40B4-BE49-F238E27FC236}">
+                <a16:creationId xmlns:a16="http://schemas.microsoft.com/office/drawing/2014/main" id="{4D361D21-2DDA-B346-8E31-A7B828EB400C}"/>
+              </a:ext>
+            </a:extLst>
+          </p:cNvPr>
+          <p:cNvSpPr txBox="1"/>
+          <p:nvPr/>
+        </p:nvSpPr>
+        <p:spPr>
+          <a:xfrm>
+            <a:off x="3986784" y="519725"/>
+            <a:ext cx="7141699" cy="646331"/>
+          </a:xfrm>
+          <a:prstGeom prst="rect">
+            <a:avLst/>
+          </a:prstGeom>
+          <a:noFill/>
+        </p:spPr>
+        <p:txBody>
+          <a:bodyPr wrap="none" rtlCol="0">
+            <a:spAutoFit/>
+          </a:bodyPr>
+          <a:lstStyle/>
+          <a:p>
+            <a:r>
+              <a:rPr kumimoji="1" lang="ko-KR" altLang="en-US" dirty="0">
+                <a:solidFill>
+                  <a:srgbClr val="0070C0"/>
+                </a:solidFill>
+              </a:rPr>
+              <a:t>정답이 </a:t>
+            </a:r>
+            <a:r>
+              <a:rPr kumimoji="1" lang="en-US" altLang="ko-KR" dirty="0">
+                <a:solidFill>
+                  <a:srgbClr val="0070C0"/>
+                </a:solidFill>
+              </a:rPr>
+              <a:t>1</a:t>
+            </a:r>
+            <a:r>
+              <a:rPr kumimoji="1" lang="ko-KR" altLang="en-US" dirty="0">
+                <a:solidFill>
+                  <a:srgbClr val="0070C0"/>
+                </a:solidFill>
+              </a:rPr>
+              <a:t>이라면 </a:t>
+            </a:r>
+            <a:r>
+              <a:rPr kumimoji="1" lang="en-US" altLang="ko-Kore-KR" dirty="0" err="1">
+                <a:solidFill>
+                  <a:srgbClr val="0070C0"/>
+                </a:solidFill>
+              </a:rPr>
+              <a:t>H</a:t>
+            </a:r>
+            <a:r>
+              <a:rPr kumimoji="1" lang="en-US" altLang="ko-Kore-KR" baseline="-25000" dirty="0" err="1">
+                <a:solidFill>
+                  <a:srgbClr val="0070C0"/>
+                </a:solidFill>
+              </a:rPr>
+              <a:t>theta</a:t>
+            </a:r>
+            <a:r>
+              <a:rPr kumimoji="1" lang="en-US" altLang="ko-Kore-KR" dirty="0">
+                <a:solidFill>
+                  <a:srgbClr val="0070C0"/>
+                </a:solidFill>
+              </a:rPr>
+              <a:t>(x)</a:t>
+            </a:r>
+            <a:r>
+              <a:rPr kumimoji="1" lang="ko-KR" altLang="en-US" dirty="0">
+                <a:solidFill>
+                  <a:srgbClr val="0070C0"/>
+                </a:solidFill>
+              </a:rPr>
+              <a:t>가 </a:t>
+            </a:r>
+            <a:r>
+              <a:rPr kumimoji="1" lang="en-US" altLang="ko-KR" dirty="0">
+                <a:solidFill>
+                  <a:srgbClr val="0070C0"/>
+                </a:solidFill>
+              </a:rPr>
+              <a:t>1</a:t>
+            </a:r>
+            <a:r>
+              <a:rPr kumimoji="1" lang="ko-KR" altLang="en-US" dirty="0">
+                <a:solidFill>
+                  <a:srgbClr val="0070C0"/>
+                </a:solidFill>
+              </a:rPr>
+              <a:t>에 가까워질 수록 </a:t>
+            </a:r>
+            <a:r>
+              <a:rPr kumimoji="1" lang="en-US" altLang="ko-KR" dirty="0">
+                <a:solidFill>
+                  <a:srgbClr val="0070C0"/>
+                </a:solidFill>
+              </a:rPr>
+              <a:t>(loss</a:t>
+            </a:r>
+            <a:r>
+              <a:rPr kumimoji="1" lang="ko-KR" altLang="en-US" dirty="0">
+                <a:solidFill>
+                  <a:srgbClr val="0070C0"/>
+                </a:solidFill>
+              </a:rPr>
+              <a:t>가 </a:t>
+            </a:r>
+            <a:r>
+              <a:rPr kumimoji="1" lang="en-US" altLang="ko-KR" dirty="0">
+                <a:solidFill>
+                  <a:srgbClr val="0070C0"/>
+                </a:solidFill>
+              </a:rPr>
+              <a:t>0</a:t>
+            </a:r>
+            <a:r>
+              <a:rPr kumimoji="1" lang="ko-KR" altLang="en-US" dirty="0">
+                <a:solidFill>
+                  <a:srgbClr val="0070C0"/>
+                </a:solidFill>
+              </a:rPr>
+              <a:t>에 </a:t>
+            </a:r>
+            <a:r>
+              <a:rPr kumimoji="1" lang="ko-KR" altLang="en-US" dirty="0" err="1">
+                <a:solidFill>
+                  <a:srgbClr val="0070C0"/>
+                </a:solidFill>
+              </a:rPr>
+              <a:t>가까워짐</a:t>
+            </a:r>
+            <a:r>
+              <a:rPr kumimoji="1" lang="en-US" altLang="ko-KR" dirty="0">
+                <a:solidFill>
+                  <a:srgbClr val="0070C0"/>
+                </a:solidFill>
+              </a:rPr>
+              <a:t>)</a:t>
+            </a:r>
+          </a:p>
+          <a:p>
+            <a:r>
+              <a:rPr kumimoji="1" lang="ko-KR" altLang="en-US" dirty="0">
+                <a:solidFill>
+                  <a:srgbClr val="0070C0"/>
+                </a:solidFill>
+              </a:rPr>
+              <a:t>반대도 마찬가지</a:t>
+            </a:r>
+            <a:endParaRPr kumimoji="1" lang="ko-Kore-KR" altLang="en-US" dirty="0">
+              <a:solidFill>
+                <a:srgbClr val="0070C0"/>
+              </a:solidFill>
+            </a:endParaRPr>
+          </a:p>
+        </p:txBody>
+      </p:sp>
     </p:spTree>
     <p:extLst>
       <p:ext uri="{BB962C8B-B14F-4D97-AF65-F5344CB8AC3E}">

--- a/기계학습/기계학습2일차/230808_summary.pptx
+++ b/기계학습/기계학습2일차/230808_summary.pptx
@@ -3523,6 +3523,66 @@
           </a:extLst>
         </p:spPr>
       </p:pic>
+      <p:sp>
+        <p:nvSpPr>
+          <p:cNvPr id="2" name="TextBox 1">
+            <a:extLst>
+              <a:ext uri="{FF2B5EF4-FFF2-40B4-BE49-F238E27FC236}">
+                <a16:creationId xmlns:a16="http://schemas.microsoft.com/office/drawing/2014/main" id="{F0D65512-DD70-5FCD-E215-7677A9CAA237}"/>
+              </a:ext>
+            </a:extLst>
+          </p:cNvPr>
+          <p:cNvSpPr txBox="1"/>
+          <p:nvPr/>
+        </p:nvSpPr>
+        <p:spPr>
+          <a:xfrm>
+            <a:off x="646176" y="357072"/>
+            <a:ext cx="3320204" cy="369332"/>
+          </a:xfrm>
+          <a:prstGeom prst="rect">
+            <a:avLst/>
+          </a:prstGeom>
+          <a:noFill/>
+        </p:spPr>
+        <p:txBody>
+          <a:bodyPr wrap="none" rtlCol="0">
+            <a:spAutoFit/>
+          </a:bodyPr>
+          <a:lstStyle/>
+          <a:p>
+            <a:r>
+              <a:rPr kumimoji="1" lang="en-US" altLang="ko-KR" dirty="0" err="1">
+                <a:solidFill>
+                  <a:srgbClr val="0070C0"/>
+                </a:solidFill>
+              </a:rPr>
+              <a:t>Undersampling</a:t>
+            </a:r>
+            <a:r>
+              <a:rPr kumimoji="1" lang="en-US" altLang="ko-KR" dirty="0">
+                <a:solidFill>
+                  <a:srgbClr val="0070C0"/>
+                </a:solidFill>
+              </a:rPr>
+              <a:t> </a:t>
+            </a:r>
+            <a:r>
+              <a:rPr kumimoji="1" lang="ko-KR" altLang="en-US">
+                <a:solidFill>
+                  <a:srgbClr val="0070C0"/>
+                </a:solidFill>
+              </a:rPr>
+              <a:t>먼저 시도하자</a:t>
+            </a:r>
+            <a:endParaRPr kumimoji="1" lang="ko-Kore-KR" altLang="en-US" dirty="0">
+              <a:solidFill>
+                <a:srgbClr val="0070C0"/>
+              </a:solidFill>
+            </a:endParaRPr>
+          </a:p>
+        </p:txBody>
+      </p:sp>
     </p:spTree>
     <p:extLst>
       <p:ext uri="{BB962C8B-B14F-4D97-AF65-F5344CB8AC3E}">
